--- a/RLDM Poster.pptx
+++ b/RLDM Poster.pptx
@@ -4773,9 +4773,12 @@
           </a:lstStyle>
           <a:p>
             <a:pPr eaLnBrk="1" hangingPunct="1"/>
-            <a:endParaRPr lang="en-US" sz="4000" i="1" dirty="0">
-              <a:noFill/>
-            </a:endParaRPr>
+            <a:r>
+              <a:rPr lang="en-US" sz="4000" i="1" dirty="0">
+                <a:noFill/>
+              </a:rPr>
+              <a:t> </a:t>
+            </a:r>
           </a:p>
         </p:txBody>
       </p:sp>
@@ -4913,7 +4916,7 @@
                 </a:solidFill>
                 <a:latin typeface="Nunito" panose="00000500000000000000" pitchFamily="2" charset="0"/>
               </a:rPr>
-              <a:t>Representations of visual information used in learning can be modelled with a disentanglement objective. This model describes how changing utility of stimuli results in changes of visual representation formation. </a:t>
+              <a:t>Representations of visual information used in learning can be modelled with a disentanglement objective. This model describes how learning stimuli utility changes visual representation formation strategy. </a:t>
             </a:r>
           </a:p>
         </p:txBody>
@@ -5046,8 +5049,8 @@
         </p:nvSpPr>
         <p:spPr bwMode="auto">
           <a:xfrm>
-            <a:off x="1708455" y="9401179"/>
-            <a:ext cx="12818467" cy="914400"/>
+            <a:off x="685800" y="9403548"/>
+            <a:ext cx="13639800" cy="914400"/>
           </a:xfrm>
           <a:prstGeom prst="roundRect">
             <a:avLst/>
@@ -5083,108 +5086,6 @@
       </p:sp>
       <p:sp>
         <p:nvSpPr>
-          <p:cNvPr id="19" name="Rectangle 167">
-            <a:extLst>
-              <a:ext uri="{FF2B5EF4-FFF2-40B4-BE49-F238E27FC236}">
-                <a16:creationId xmlns:a16="http://schemas.microsoft.com/office/drawing/2014/main" id="{CC5F2601-3472-4441-8610-673ACB878A1B}"/>
-              </a:ext>
-            </a:extLst>
-          </p:cNvPr>
-          <p:cNvSpPr>
-            <a:spLocks noChangeArrowheads="1"/>
-          </p:cNvSpPr>
-          <p:nvPr/>
-        </p:nvSpPr>
-        <p:spPr bwMode="auto">
-          <a:xfrm>
-            <a:off x="15498018" y="9401179"/>
-            <a:ext cx="12818467" cy="914400"/>
-          </a:xfrm>
-          <a:prstGeom prst="roundRect">
-            <a:avLst/>
-          </a:prstGeom>
-          <a:solidFill>
-            <a:schemeClr val="accent5"/>
-          </a:solidFill>
-          <a:ln w="9525">
-            <a:noFill/>
-            <a:miter lim="800000"/>
-          </a:ln>
-        </p:spPr>
-        <p:txBody>
-          <a:bodyPr wrap="none" lIns="137160" tIns="68580" rIns="137160" bIns="68580" anchor="ctr"/>
-          <a:lstStyle>
-            <a:defPPr>
-              <a:defRPr kern="1200" smtId="4294967295"/>
-            </a:defPPr>
-          </a:lstStyle>
-          <a:p>
-            <a:pPr defTabSz="3762375"/>
-            <a:r>
-              <a:rPr lang="en-US" sz="3600" dirty="0">
-                <a:solidFill>
-                  <a:schemeClr val="bg1"/>
-                </a:solidFill>
-                <a:latin typeface="Nunito" panose="00000500000000000000" pitchFamily="2" charset="0"/>
-              </a:rPr>
-              <a:t>Results</a:t>
-            </a:r>
-          </a:p>
-        </p:txBody>
-      </p:sp>
-      <p:sp>
-        <p:nvSpPr>
-          <p:cNvPr id="20" name="Rectangle 167">
-            <a:extLst>
-              <a:ext uri="{FF2B5EF4-FFF2-40B4-BE49-F238E27FC236}">
-                <a16:creationId xmlns:a16="http://schemas.microsoft.com/office/drawing/2014/main" id="{F8160BCC-36FC-4419-BD0D-F8E0CD69D3FC}"/>
-              </a:ext>
-            </a:extLst>
-          </p:cNvPr>
-          <p:cNvSpPr>
-            <a:spLocks noChangeArrowheads="1"/>
-          </p:cNvSpPr>
-          <p:nvPr/>
-        </p:nvSpPr>
-        <p:spPr bwMode="auto">
-          <a:xfrm>
-            <a:off x="29287581" y="9401179"/>
-            <a:ext cx="12818467" cy="914400"/>
-          </a:xfrm>
-          <a:prstGeom prst="roundRect">
-            <a:avLst/>
-          </a:prstGeom>
-          <a:solidFill>
-            <a:schemeClr val="accent5"/>
-          </a:solidFill>
-          <a:ln w="9525">
-            <a:noFill/>
-            <a:miter lim="800000"/>
-          </a:ln>
-        </p:spPr>
-        <p:txBody>
-          <a:bodyPr wrap="none" lIns="137160" tIns="68580" rIns="137160" bIns="68580" anchor="ctr"/>
-          <a:lstStyle>
-            <a:defPPr>
-              <a:defRPr kern="1200" smtId="4294967295"/>
-            </a:defPPr>
-          </a:lstStyle>
-          <a:p>
-            <a:pPr defTabSz="3762375"/>
-            <a:r>
-              <a:rPr lang="en-US" sz="3600" dirty="0">
-                <a:solidFill>
-                  <a:schemeClr val="bg1"/>
-                </a:solidFill>
-                <a:latin typeface="Nunito" panose="00000500000000000000" pitchFamily="2" charset="0"/>
-              </a:rPr>
-              <a:t>Analysis</a:t>
-            </a:r>
-          </a:p>
-        </p:txBody>
-      </p:sp>
-      <p:sp>
-        <p:nvSpPr>
           <p:cNvPr id="48" name="TextBox 47">
             <a:extLst>
               <a:ext uri="{FF2B5EF4-FFF2-40B4-BE49-F238E27FC236}">
@@ -5197,8 +5098,8 @@
         </p:nvSpPr>
         <p:spPr>
           <a:xfrm>
-            <a:off x="1594338" y="10544179"/>
-            <a:ext cx="12818467" cy="5078313"/>
+            <a:off x="685800" y="10542031"/>
+            <a:ext cx="13576137" cy="3970318"/>
           </a:xfrm>
           <a:prstGeom prst="rect">
             <a:avLst/>
@@ -5217,17 +5118,6 @@
           <a:p>
             <a:pPr algn="l"/>
             <a:r>
-              <a:rPr lang="en-US" sz="3600" b="0" dirty="0">
-                <a:solidFill>
-                  <a:schemeClr val="tx1"/>
-                </a:solidFill>
-                <a:latin typeface="Open Sans" panose="020B0606030504020204" pitchFamily="34" charset="0"/>
-                <a:ea typeface="Open Sans" panose="020B0606030504020204" pitchFamily="34" charset="0"/>
-                <a:cs typeface="Open Sans" panose="020B0606030504020204" pitchFamily="34" charset="0"/>
-              </a:rPr>
-              <a:t>The </a:t>
-            </a:r>
-            <a:r>
               <a:rPr lang="el-GR" sz="3600" b="0" dirty="0">
                 <a:solidFill>
                   <a:schemeClr val="tx1"/>
@@ -5247,7 +5137,7 @@
                 <a:ea typeface="Open Sans" panose="020B0606030504020204" pitchFamily="34" charset="0"/>
                 <a:cs typeface="Open Sans" panose="020B0606030504020204" pitchFamily="34" charset="0"/>
               </a:rPr>
-              <a:t> Variational Autoencoder (</a:t>
+              <a:t> Variational Autoencoders (</a:t>
             </a:r>
             <a:r>
               <a:rPr lang="el-GR" sz="3600" b="0" dirty="0">
@@ -5269,7 +5159,7 @@
                 <a:ea typeface="Open Sans" panose="020B0606030504020204" pitchFamily="34" charset="0"/>
                 <a:cs typeface="Open Sans" panose="020B0606030504020204" pitchFamily="34" charset="0"/>
               </a:rPr>
-              <a:t>-VAE) learns to form representations of visual information by maximizing the disentanglement objective. These representations deviate along a single dimension as the stimuli deviates. Deep reinforcement learning (DRL) can be difficult to apply onto predicting human behaviour. This model addresses this by using representations of stimuli in learning tasks produced by a combined DRL and </a:t>
+              <a:t>-VAE) form representations of visual information by maximizing the disentanglement objective. As stimuli deviate along a single dimension, so do these representations. Deep reinforcement learning (DRL) can be difficult to apply onto predicting human behaviour. This model addresses this by using representations of stimuli in learning tasks produced by a combined DRL and </a:t>
             </a:r>
             <a:r>
               <a:rPr lang="el-GR" sz="3600" b="0" dirty="0">
@@ -5291,7 +5181,7 @@
                 <a:ea typeface="Open Sans" panose="020B0606030504020204" pitchFamily="34" charset="0"/>
                 <a:cs typeface="Open Sans" panose="020B0606030504020204" pitchFamily="34" charset="0"/>
               </a:rPr>
-              <a:t>-VAE model. This requires a novel model structure and training method:</a:t>
+              <a:t>-VAE model:</a:t>
             </a:r>
           </a:p>
         </p:txBody>
@@ -5310,8 +5200,8 @@
         </p:nvSpPr>
         <p:spPr>
           <a:xfrm>
-            <a:off x="15498018" y="10544179"/>
-            <a:ext cx="12818467" cy="3416320"/>
+            <a:off x="15291793" y="10544179"/>
+            <a:ext cx="13576137" cy="3416320"/>
           </a:xfrm>
           <a:prstGeom prst="rect">
             <a:avLst/>
@@ -5682,8 +5572,8 @@
         </p:blipFill>
         <p:spPr bwMode="auto">
           <a:xfrm>
-            <a:off x="1765513" y="15818255"/>
-            <a:ext cx="12704350" cy="6145360"/>
+            <a:off x="885633" y="14956835"/>
+            <a:ext cx="13176470" cy="6373734"/>
           </a:xfrm>
           <a:prstGeom prst="rect">
             <a:avLst/>
@@ -5729,8 +5619,8 @@
         </p:blipFill>
         <p:spPr bwMode="auto">
           <a:xfrm>
-            <a:off x="15498018" y="13665899"/>
-            <a:ext cx="12410324" cy="7469463"/>
+            <a:off x="15145417" y="13611271"/>
+            <a:ext cx="13673274" cy="8229601"/>
           </a:xfrm>
           <a:prstGeom prst="rect">
             <a:avLst/>
@@ -5774,8 +5664,8 @@
         </p:blipFill>
         <p:spPr bwMode="auto">
           <a:xfrm>
-            <a:off x="29463491" y="12421478"/>
-            <a:ext cx="12704350" cy="6330090"/>
+            <a:off x="29559737" y="11964590"/>
+            <a:ext cx="13474487" cy="6713820"/>
           </a:xfrm>
           <a:prstGeom prst="rect">
             <a:avLst/>
@@ -5806,8 +5696,8 @@
         </p:nvSpPr>
         <p:spPr>
           <a:xfrm>
-            <a:off x="29472533" y="10538946"/>
-            <a:ext cx="12818467" cy="2308324"/>
+            <a:off x="29559738" y="10510368"/>
+            <a:ext cx="13576137" cy="1754326"/>
           </a:xfrm>
           <a:prstGeom prst="rect">
             <a:avLst/>
@@ -5834,7 +5724,7 @@
                 <a:ea typeface="Open Sans" panose="020B0606030504020204" pitchFamily="34" charset="0"/>
                 <a:cs typeface="Open Sans" panose="020B0606030504020204" pitchFamily="34" charset="0"/>
               </a:rPr>
-              <a:t>Measuring how the </a:t>
+              <a:t>Measuring </a:t>
             </a:r>
             <a:r>
               <a:rPr lang="el-GR" sz="3600" b="0" dirty="0">
@@ -5856,7 +5746,7 @@
                 <a:ea typeface="Open Sans" panose="020B0606030504020204" pitchFamily="34" charset="0"/>
                 <a:cs typeface="Open Sans" panose="020B0606030504020204" pitchFamily="34" charset="0"/>
               </a:rPr>
-              <a:t>-VAE model representations overlap each other gives insight into how changing utility impacts learned visual representations. </a:t>
+              <a:t>-VAE representation overlap gives insight into how changing utility impacts learned visual representations. </a:t>
             </a:r>
           </a:p>
           <a:p>
@@ -5886,8 +5776,8 @@
         </p:nvSpPr>
         <p:spPr>
           <a:xfrm>
-            <a:off x="29709566" y="18998538"/>
-            <a:ext cx="12818467" cy="1754326"/>
+            <a:off x="29559737" y="18969960"/>
+            <a:ext cx="13474487" cy="1754326"/>
           </a:xfrm>
           <a:prstGeom prst="rect">
             <a:avLst/>
@@ -5947,8 +5837,8 @@
         </p:blipFill>
         <p:spPr>
           <a:xfrm>
-            <a:off x="29586650" y="20904258"/>
-            <a:ext cx="12704350" cy="3351419"/>
+            <a:off x="29628651" y="20846138"/>
+            <a:ext cx="13397791" cy="3534350"/>
           </a:xfrm>
           <a:prstGeom prst="rect">
             <a:avLst/>
@@ -5969,8 +5859,8 @@
         </p:nvSpPr>
         <p:spPr>
           <a:xfrm>
-            <a:off x="15536366" y="21415282"/>
-            <a:ext cx="12818467" cy="2862322"/>
+            <a:off x="15302534" y="22653670"/>
+            <a:ext cx="13621481" cy="2308324"/>
           </a:xfrm>
           <a:prstGeom prst="rect">
             <a:avLst/>
@@ -5997,7 +5887,7 @@
                 <a:ea typeface="Open Sans" panose="020B0606030504020204" pitchFamily="34" charset="0"/>
                 <a:cs typeface="Open Sans" panose="020B0606030504020204" pitchFamily="34" charset="0"/>
               </a:rPr>
-              <a:t>The tabular Feature Reinforcement Learning method provides utility predictions to the three deep neural network methods. This FRL model takes as input hand-crafted features instead of visual information.  </a:t>
+              <a:t>The tabular Feature RL method provides utility predictions to the three deep neural network methods. This FRL model takes as input hand-crafted features instead of visual information.  </a:t>
             </a:r>
           </a:p>
           <a:p>
@@ -6042,7 +5932,7 @@
         </p:blipFill>
         <p:spPr bwMode="auto">
           <a:xfrm>
-            <a:off x="21945600" y="25714511"/>
+            <a:off x="21451401" y="25747862"/>
             <a:ext cx="2875634" cy="2875634"/>
           </a:xfrm>
           <a:prstGeom prst="rect">
@@ -6087,7 +5977,7 @@
         </p:blipFill>
         <p:spPr bwMode="auto">
           <a:xfrm>
-            <a:off x="20586968" y="29012804"/>
+            <a:off x="20092770" y="29012804"/>
             <a:ext cx="5592897" cy="2300381"/>
           </a:xfrm>
           <a:prstGeom prst="rect">
@@ -6119,16 +6009,15 @@
           </p:cNvPicPr>
           <p:nvPr/>
         </p:nvPicPr>
-        <p:blipFill>
+        <p:blipFill rotWithShape="1">
           <a:blip r:embed="rId8"/>
-          <a:stretch>
-            <a:fillRect/>
-          </a:stretch>
+          <a:srcRect l="23906" t="-971"/>
+          <a:stretch/>
         </p:blipFill>
         <p:spPr>
           <a:xfrm>
-            <a:off x="1894548" y="22915288"/>
-            <a:ext cx="12410001" cy="571889"/>
+            <a:off x="685800" y="22735079"/>
+            <a:ext cx="13418752" cy="820533"/>
           </a:xfrm>
           <a:prstGeom prst="rect">
             <a:avLst/>
@@ -6149,7 +6038,7 @@
         </p:nvSpPr>
         <p:spPr>
           <a:xfrm>
-            <a:off x="3200400" y="22262677"/>
+            <a:off x="649357" y="22070242"/>
             <a:ext cx="5609912" cy="646331"/>
           </a:xfrm>
           <a:prstGeom prst="rect">
@@ -6196,7 +6085,7 @@
         </p:nvSpPr>
         <p:spPr>
           <a:xfrm>
-            <a:off x="6059558" y="23613187"/>
+            <a:off x="3962400" y="23705676"/>
             <a:ext cx="7459977" cy="646331"/>
           </a:xfrm>
           <a:prstGeom prst="rect">
@@ -6243,8 +6132,8 @@
         </p:nvSpPr>
         <p:spPr>
           <a:xfrm>
-            <a:off x="11034258" y="22293346"/>
-            <a:ext cx="3886200" cy="646331"/>
+            <a:off x="10546077" y="22119925"/>
+            <a:ext cx="3558475" cy="646331"/>
           </a:xfrm>
           <a:prstGeom prst="rect">
             <a:avLst/>
@@ -6272,6 +6161,138 @@
                 <a:cs typeface="Open Sans" panose="020B0606030504020204" pitchFamily="34" charset="0"/>
               </a:rPr>
               <a:t>Utility Accuracy</a:t>
+            </a:r>
+          </a:p>
+        </p:txBody>
+      </p:sp>
+      <p:pic>
+        <p:nvPicPr>
+          <p:cNvPr id="4" name="Picture 3">
+            <a:extLst>
+              <a:ext uri="{FF2B5EF4-FFF2-40B4-BE49-F238E27FC236}">
+                <a16:creationId xmlns:a16="http://schemas.microsoft.com/office/drawing/2014/main" id="{E6310513-87E6-A1B9-0DB2-75A28CA4F8BB}"/>
+              </a:ext>
+            </a:extLst>
+          </p:cNvPr>
+          <p:cNvPicPr>
+            <a:picLocks noChangeAspect="1"/>
+          </p:cNvPicPr>
+          <p:nvPr/>
+        </p:nvPicPr>
+        <p:blipFill>
+          <a:blip r:embed="rId9"/>
+          <a:stretch>
+            <a:fillRect/>
+          </a:stretch>
+        </p:blipFill>
+        <p:spPr>
+          <a:xfrm>
+            <a:off x="35685049" y="1600200"/>
+            <a:ext cx="6831219" cy="6919933"/>
+          </a:xfrm>
+          <a:prstGeom prst="rect">
+            <a:avLst/>
+          </a:prstGeom>
+        </p:spPr>
+      </p:pic>
+      <p:sp>
+        <p:nvSpPr>
+          <p:cNvPr id="33" name="Rectangle 167">
+            <a:extLst>
+              <a:ext uri="{FF2B5EF4-FFF2-40B4-BE49-F238E27FC236}">
+                <a16:creationId xmlns:a16="http://schemas.microsoft.com/office/drawing/2014/main" id="{8E00C9D5-23BE-CE47-AECD-B322B30B38AD}"/>
+              </a:ext>
+            </a:extLst>
+          </p:cNvPr>
+          <p:cNvSpPr>
+            <a:spLocks noChangeArrowheads="1"/>
+          </p:cNvSpPr>
+          <p:nvPr/>
+        </p:nvSpPr>
+        <p:spPr bwMode="auto">
+          <a:xfrm>
+            <a:off x="15240000" y="9380908"/>
+            <a:ext cx="13639800" cy="914400"/>
+          </a:xfrm>
+          <a:prstGeom prst="roundRect">
+            <a:avLst/>
+          </a:prstGeom>
+          <a:solidFill>
+            <a:schemeClr val="accent5"/>
+          </a:solidFill>
+          <a:ln w="9525">
+            <a:noFill/>
+            <a:miter lim="800000"/>
+          </a:ln>
+        </p:spPr>
+        <p:txBody>
+          <a:bodyPr wrap="none" lIns="137160" tIns="68580" rIns="137160" bIns="68580" anchor="ctr"/>
+          <a:lstStyle>
+            <a:defPPr>
+              <a:defRPr kern="1200" smtId="4294967295"/>
+            </a:defPPr>
+          </a:lstStyle>
+          <a:p>
+            <a:pPr defTabSz="3762375"/>
+            <a:r>
+              <a:rPr lang="en-US" sz="3600" dirty="0">
+                <a:solidFill>
+                  <a:schemeClr val="bg1"/>
+                </a:solidFill>
+                <a:latin typeface="Nunito" panose="00000500000000000000" pitchFamily="2" charset="0"/>
+              </a:rPr>
+              <a:t>Abstract</a:t>
+            </a:r>
+          </a:p>
+        </p:txBody>
+      </p:sp>
+      <p:sp>
+        <p:nvSpPr>
+          <p:cNvPr id="36" name="Rectangle 167">
+            <a:extLst>
+              <a:ext uri="{FF2B5EF4-FFF2-40B4-BE49-F238E27FC236}">
+                <a16:creationId xmlns:a16="http://schemas.microsoft.com/office/drawing/2014/main" id="{5C59452F-D2D1-0FFA-F55D-966CAD8E6801}"/>
+              </a:ext>
+            </a:extLst>
+          </p:cNvPr>
+          <p:cNvSpPr>
+            <a:spLocks noChangeArrowheads="1"/>
+          </p:cNvSpPr>
+          <p:nvPr/>
+        </p:nvSpPr>
+        <p:spPr bwMode="auto">
+          <a:xfrm>
+            <a:off x="29559738" y="9429524"/>
+            <a:ext cx="13639800" cy="914400"/>
+          </a:xfrm>
+          <a:prstGeom prst="roundRect">
+            <a:avLst/>
+          </a:prstGeom>
+          <a:solidFill>
+            <a:schemeClr val="accent5"/>
+          </a:solidFill>
+          <a:ln w="9525">
+            <a:noFill/>
+            <a:miter lim="800000"/>
+          </a:ln>
+        </p:spPr>
+        <p:txBody>
+          <a:bodyPr wrap="none" lIns="137160" tIns="68580" rIns="137160" bIns="68580" anchor="ctr"/>
+          <a:lstStyle>
+            <a:defPPr>
+              <a:defRPr kern="1200" smtId="4294967295"/>
+            </a:defPPr>
+          </a:lstStyle>
+          <a:p>
+            <a:pPr defTabSz="3762375"/>
+            <a:r>
+              <a:rPr lang="en-US" sz="3600" dirty="0">
+                <a:solidFill>
+                  <a:schemeClr val="bg1"/>
+                </a:solidFill>
+                <a:latin typeface="Nunito" panose="00000500000000000000" pitchFamily="2" charset="0"/>
+              </a:rPr>
+              <a:t>Abstract</a:t>
             </a:r>
           </a:p>
         </p:txBody>
